--- a/survey.pptx
+++ b/survey.pptx
@@ -2952,7 +2952,7 @@
           </a:ln>
           <a:extLst>
             <a:ext uri="{C572A759-6A51-4108-AA02-DFA0A04FC94B}">
-              <ma14:wrappingTextBoxFlag xmlns:ma14="http://schemas.microsoft.com/office/mac/drawingml/2011/main" xmlns:a14="http://schemas.microsoft.com/office/drawing/2010/main" xmlns:m="http://schemas.openxmlformats.org/officeDocument/2006/math" xmlns="" val="1"/>
+              <ma14:wrappingTextBoxFlag xmlns="" xmlns:m="http://schemas.openxmlformats.org/officeDocument/2006/math" xmlns:a14="http://schemas.microsoft.com/office/drawing/2010/main" xmlns:ma14="http://schemas.microsoft.com/office/mac/drawingml/2011/main" val="1"/>
             </a:ext>
           </a:extLst>
         </p:spPr>
@@ -2991,7 +2991,7 @@
           </a:ln>
           <a:extLst>
             <a:ext uri="{C572A759-6A51-4108-AA02-DFA0A04FC94B}">
-              <ma14:wrappingTextBoxFlag xmlns:ma14="http://schemas.microsoft.com/office/mac/drawingml/2011/main" xmlns:a14="http://schemas.microsoft.com/office/drawing/2010/main" xmlns:m="http://schemas.openxmlformats.org/officeDocument/2006/math" xmlns="" val="1"/>
+              <ma14:wrappingTextBoxFlag xmlns="" xmlns:m="http://schemas.openxmlformats.org/officeDocument/2006/math" xmlns:a14="http://schemas.microsoft.com/office/drawing/2010/main" xmlns:ma14="http://schemas.microsoft.com/office/mac/drawingml/2011/main" val="1"/>
             </a:ext>
           </a:extLst>
         </p:spPr>
@@ -3961,7 +3961,7 @@
           </a:ln>
           <a:extLst>
             <a:ext uri="{C572A759-6A51-4108-AA02-DFA0A04FC94B}">
-              <ma14:wrappingTextBoxFlag xmlns:ma14="http://schemas.microsoft.com/office/mac/drawingml/2011/main" xmlns:a14="http://schemas.microsoft.com/office/drawing/2010/main" xmlns:m="http://schemas.openxmlformats.org/officeDocument/2006/math" xmlns="" val="1"/>
+              <ma14:wrappingTextBoxFlag xmlns="" xmlns:m="http://schemas.openxmlformats.org/officeDocument/2006/math" xmlns:a14="http://schemas.microsoft.com/office/drawing/2010/main" xmlns:ma14="http://schemas.microsoft.com/office/mac/drawingml/2011/main" val="1"/>
             </a:ext>
           </a:extLst>
         </p:spPr>
@@ -4041,7 +4041,7 @@
           </a:ln>
           <a:extLst>
             <a:ext uri="{C572A759-6A51-4108-AA02-DFA0A04FC94B}">
-              <ma14:wrappingTextBoxFlag xmlns:ma14="http://schemas.microsoft.com/office/mac/drawingml/2011/main" xmlns:a14="http://schemas.microsoft.com/office/drawing/2010/main" xmlns:m="http://schemas.openxmlformats.org/officeDocument/2006/math" xmlns="" val="1"/>
+              <ma14:wrappingTextBoxFlag xmlns="" xmlns:m="http://schemas.openxmlformats.org/officeDocument/2006/math" xmlns:a14="http://schemas.microsoft.com/office/drawing/2010/main" xmlns:ma14="http://schemas.microsoft.com/office/mac/drawingml/2011/main" val="1"/>
             </a:ext>
           </a:extLst>
         </p:spPr>
@@ -4111,7 +4111,7 @@
           </a:ln>
           <a:extLst>
             <a:ext uri="{C572A759-6A51-4108-AA02-DFA0A04FC94B}">
-              <ma14:wrappingTextBoxFlag xmlns:ma14="http://schemas.microsoft.com/office/mac/drawingml/2011/main" xmlns:a14="http://schemas.microsoft.com/office/drawing/2010/main" xmlns:m="http://schemas.openxmlformats.org/officeDocument/2006/math" xmlns="" val="1"/>
+              <ma14:wrappingTextBoxFlag xmlns="" xmlns:m="http://schemas.openxmlformats.org/officeDocument/2006/math" xmlns:a14="http://schemas.microsoft.com/office/drawing/2010/main" xmlns:ma14="http://schemas.microsoft.com/office/mac/drawingml/2011/main" val="1"/>
             </a:ext>
           </a:extLst>
         </p:spPr>
@@ -4232,7 +4232,7 @@
           </a:ln>
           <a:extLst>
             <a:ext uri="{C572A759-6A51-4108-AA02-DFA0A04FC94B}">
-              <ma14:wrappingTextBoxFlag xmlns="" xmlns:ma14="http://schemas.microsoft.com/office/mac/drawingml/2011/main" val="1"/>
+              <ma14:wrappingTextBoxFlag xmlns:ma14="http://schemas.microsoft.com/office/mac/drawingml/2011/main" xmlns="" val="1"/>
             </a:ext>
           </a:extLst>
         </p:spPr>
@@ -4270,15 +4270,7 @@
             </a:pPr>
             <a:r>
               <a:rPr lang="ru-RU" sz="3600" b="1" dirty="0"/>
-              <a:t>Масленникова Е., Коробков Н., </a:t>
-            </a:r>
-            <a:r>
-              <a:rPr lang="ru-RU" sz="3600" b="1" dirty="0" err="1"/>
-              <a:t>Щеглетова</a:t>
-            </a:r>
-            <a:r>
-              <a:rPr lang="ru-RU" sz="3600" b="1" dirty="0"/>
-              <a:t> Т., Игошин А., Горская К., Кузнецова Е., </a:t>
+              <a:t>Масленникова Е., Коробков Н., Корнева Т., Игошин А., Горская К., Кузнецова Е., </a:t>
             </a:r>
             <a:r>
               <a:rPr lang="ru-RU" sz="3600" b="1" dirty="0" err="1"/>
@@ -4423,7 +4415,7 @@
           </a:ln>
           <a:extLst>
             <a:ext uri="{C572A759-6A51-4108-AA02-DFA0A04FC94B}">
-              <ma14:wrappingTextBoxFlag xmlns:ma14="http://schemas.microsoft.com/office/mac/drawingml/2011/main" xmlns:a14="http://schemas.microsoft.com/office/drawing/2010/main" xmlns:m="http://schemas.openxmlformats.org/officeDocument/2006/math" xmlns="" val="1"/>
+              <ma14:wrappingTextBoxFlag xmlns="" xmlns:m="http://schemas.openxmlformats.org/officeDocument/2006/math" xmlns:a14="http://schemas.microsoft.com/office/drawing/2010/main" xmlns:ma14="http://schemas.microsoft.com/office/mac/drawingml/2011/main" val="1"/>
             </a:ext>
           </a:extLst>
         </p:spPr>
@@ -4477,7 +4469,7 @@
           </a:ln>
           <a:extLst>
             <a:ext uri="{C572A759-6A51-4108-AA02-DFA0A04FC94B}">
-              <ma14:wrappingTextBoxFlag xmlns:ma14="http://schemas.microsoft.com/office/mac/drawingml/2011/main" xmlns:a14="http://schemas.microsoft.com/office/drawing/2010/main" xmlns:m="http://schemas.openxmlformats.org/officeDocument/2006/math" xmlns="" val="1"/>
+              <ma14:wrappingTextBoxFlag xmlns="" xmlns:m="http://schemas.openxmlformats.org/officeDocument/2006/math" xmlns:a14="http://schemas.microsoft.com/office/drawing/2010/main" xmlns:ma14="http://schemas.microsoft.com/office/mac/drawingml/2011/main" val="1"/>
             </a:ext>
           </a:extLst>
         </p:spPr>
@@ -5853,7 +5845,7 @@
           </a:ln>
           <a:extLst>
             <a:ext uri="{C572A759-6A51-4108-AA02-DFA0A04FC94B}">
-              <ma14:wrappingTextBoxFlag xmlns:ma14="http://schemas.microsoft.com/office/mac/drawingml/2011/main" xmlns:a14="http://schemas.microsoft.com/office/drawing/2010/main" xmlns:m="http://schemas.openxmlformats.org/officeDocument/2006/math" xmlns="" val="1"/>
+              <ma14:wrappingTextBoxFlag xmlns="" xmlns:m="http://schemas.openxmlformats.org/officeDocument/2006/math" xmlns:a14="http://schemas.microsoft.com/office/drawing/2010/main" xmlns:ma14="http://schemas.microsoft.com/office/mac/drawingml/2011/main" val="1"/>
             </a:ext>
           </a:extLst>
         </p:spPr>
@@ -5907,7 +5899,7 @@
           </a:ln>
           <a:extLst>
             <a:ext uri="{C572A759-6A51-4108-AA02-DFA0A04FC94B}">
-              <ma14:wrappingTextBoxFlag xmlns:ma14="http://schemas.microsoft.com/office/mac/drawingml/2011/main" xmlns:a14="http://schemas.microsoft.com/office/drawing/2010/main" xmlns:m="http://schemas.openxmlformats.org/officeDocument/2006/math" xmlns="" val="1"/>
+              <ma14:wrappingTextBoxFlag xmlns="" xmlns:m="http://schemas.openxmlformats.org/officeDocument/2006/math" xmlns:a14="http://schemas.microsoft.com/office/drawing/2010/main" xmlns:ma14="http://schemas.microsoft.com/office/mac/drawingml/2011/main" val="1"/>
             </a:ext>
           </a:extLst>
         </p:spPr>
@@ -7537,7 +7529,7 @@
           </a:ln>
           <a:extLst>
             <a:ext uri="{C572A759-6A51-4108-AA02-DFA0A04FC94B}">
-              <ma14:wrappingTextBoxFlag xmlns="" xmlns:ma14="http://schemas.microsoft.com/office/mac/drawingml/2011/main" val="1"/>
+              <ma14:wrappingTextBoxFlag xmlns:ma14="http://schemas.microsoft.com/office/mac/drawingml/2011/main" xmlns="" val="1"/>
             </a:ext>
           </a:extLst>
         </p:spPr>
@@ -7603,7 +7595,7 @@
           </a:ln>
           <a:extLst>
             <a:ext uri="{C572A759-6A51-4108-AA02-DFA0A04FC94B}">
-              <ma14:wrappingTextBoxFlag xmlns:ma14="http://schemas.microsoft.com/office/mac/drawingml/2011/main" xmlns:a14="http://schemas.microsoft.com/office/drawing/2010/main" xmlns:m="http://schemas.openxmlformats.org/officeDocument/2006/math" xmlns="" val="1"/>
+              <ma14:wrappingTextBoxFlag xmlns="" xmlns:m="http://schemas.openxmlformats.org/officeDocument/2006/math" xmlns:a14="http://schemas.microsoft.com/office/drawing/2010/main" xmlns:ma14="http://schemas.microsoft.com/office/mac/drawingml/2011/main" val="1"/>
             </a:ext>
           </a:extLst>
         </p:spPr>
@@ -7778,7 +7770,7 @@
           </a:ln>
           <a:extLst>
             <a:ext uri="{C572A759-6A51-4108-AA02-DFA0A04FC94B}">
-              <ma14:wrappingTextBoxFlag xmlns="" xmlns:ma14="http://schemas.microsoft.com/office/mac/drawingml/2011/main" val="1"/>
+              <ma14:wrappingTextBoxFlag xmlns:ma14="http://schemas.microsoft.com/office/mac/drawingml/2011/main" xmlns="" val="1"/>
             </a:ext>
           </a:extLst>
         </p:spPr>
@@ -7855,7 +7847,7 @@
           </a:ln>
           <a:extLst>
             <a:ext uri="{C572A759-6A51-4108-AA02-DFA0A04FC94B}">
-              <ma14:wrappingTextBoxFlag xmlns="" xmlns:ma14="http://schemas.microsoft.com/office/mac/drawingml/2011/main" val="1"/>
+              <ma14:wrappingTextBoxFlag xmlns:ma14="http://schemas.microsoft.com/office/mac/drawingml/2011/main" xmlns="" val="1"/>
             </a:ext>
           </a:extLst>
         </p:spPr>
@@ -8051,7 +8043,7 @@
           </a:ln>
           <a:extLst>
             <a:ext uri="{C572A759-6A51-4108-AA02-DFA0A04FC94B}">
-              <ma14:wrappingTextBoxFlag xmlns:ma14="http://schemas.microsoft.com/office/mac/drawingml/2011/main" xmlns:a14="http://schemas.microsoft.com/office/drawing/2010/main" xmlns:m="http://schemas.openxmlformats.org/officeDocument/2006/math" xmlns="" val="1"/>
+              <ma14:wrappingTextBoxFlag xmlns="" xmlns:m="http://schemas.openxmlformats.org/officeDocument/2006/math" xmlns:a14="http://schemas.microsoft.com/office/drawing/2010/main" xmlns:ma14="http://schemas.microsoft.com/office/mac/drawingml/2011/main" val="1"/>
             </a:ext>
           </a:extLst>
         </p:spPr>
@@ -8105,7 +8097,7 @@
           </a:ln>
           <a:extLst>
             <a:ext uri="{C572A759-6A51-4108-AA02-DFA0A04FC94B}">
-              <ma14:wrappingTextBoxFlag xmlns:ma14="http://schemas.microsoft.com/office/mac/drawingml/2011/main" xmlns:a14="http://schemas.microsoft.com/office/drawing/2010/main" xmlns:m="http://schemas.openxmlformats.org/officeDocument/2006/math" xmlns="" val="1"/>
+              <ma14:wrappingTextBoxFlag xmlns="" xmlns:m="http://schemas.openxmlformats.org/officeDocument/2006/math" xmlns:a14="http://schemas.microsoft.com/office/drawing/2010/main" xmlns:ma14="http://schemas.microsoft.com/office/mac/drawingml/2011/main" val="1"/>
             </a:ext>
           </a:extLst>
         </p:spPr>
@@ -8253,7 +8245,7 @@
           </a:ln>
           <a:extLst>
             <a:ext uri="{C572A759-6A51-4108-AA02-DFA0A04FC94B}">
-              <ma14:wrappingTextBoxFlag xmlns:ma14="http://schemas.microsoft.com/office/mac/drawingml/2011/main" xmlns:a14="http://schemas.microsoft.com/office/drawing/2010/main" xmlns:m="http://schemas.openxmlformats.org/officeDocument/2006/math" xmlns="" val="1"/>
+              <ma14:wrappingTextBoxFlag xmlns="" xmlns:m="http://schemas.openxmlformats.org/officeDocument/2006/math" xmlns:a14="http://schemas.microsoft.com/office/drawing/2010/main" xmlns:ma14="http://schemas.microsoft.com/office/mac/drawingml/2011/main" val="1"/>
             </a:ext>
           </a:extLst>
         </p:spPr>
@@ -8307,7 +8299,7 @@
           </a:ln>
           <a:extLst>
             <a:ext uri="{C572A759-6A51-4108-AA02-DFA0A04FC94B}">
-              <ma14:wrappingTextBoxFlag xmlns:ma14="http://schemas.microsoft.com/office/mac/drawingml/2011/main" xmlns:a14="http://schemas.microsoft.com/office/drawing/2010/main" xmlns:m="http://schemas.openxmlformats.org/officeDocument/2006/math" xmlns="" val="1"/>
+              <ma14:wrappingTextBoxFlag xmlns="" xmlns:m="http://schemas.openxmlformats.org/officeDocument/2006/math" xmlns:a14="http://schemas.microsoft.com/office/drawing/2010/main" xmlns:ma14="http://schemas.microsoft.com/office/mac/drawingml/2011/main" val="1"/>
             </a:ext>
           </a:extLst>
         </p:spPr>
@@ -8872,7 +8864,7 @@
           </a:ln>
           <a:extLst>
             <a:ext uri="{C572A759-6A51-4108-AA02-DFA0A04FC94B}">
-              <ma14:wrappingTextBoxFlag xmlns:ma14="http://schemas.microsoft.com/office/mac/drawingml/2011/main" xmlns:a14="http://schemas.microsoft.com/office/drawing/2010/main" xmlns:m="http://schemas.openxmlformats.org/officeDocument/2006/math" xmlns="" val="1"/>
+              <ma14:wrappingTextBoxFlag xmlns="" xmlns:m="http://schemas.openxmlformats.org/officeDocument/2006/math" xmlns:a14="http://schemas.microsoft.com/office/drawing/2010/main" xmlns:ma14="http://schemas.microsoft.com/office/mac/drawingml/2011/main" val="1"/>
             </a:ext>
           </a:extLst>
         </p:spPr>
@@ -8926,7 +8918,7 @@
           </a:ln>
           <a:extLst>
             <a:ext uri="{C572A759-6A51-4108-AA02-DFA0A04FC94B}">
-              <ma14:wrappingTextBoxFlag xmlns:ma14="http://schemas.microsoft.com/office/mac/drawingml/2011/main" xmlns:a14="http://schemas.microsoft.com/office/drawing/2010/main" xmlns:m="http://schemas.openxmlformats.org/officeDocument/2006/math" xmlns="" val="1"/>
+              <ma14:wrappingTextBoxFlag xmlns="" xmlns:m="http://schemas.openxmlformats.org/officeDocument/2006/math" xmlns:a14="http://schemas.microsoft.com/office/drawing/2010/main" xmlns:ma14="http://schemas.microsoft.com/office/mac/drawingml/2011/main" val="1"/>
             </a:ext>
           </a:extLst>
         </p:spPr>
@@ -9886,7 +9878,7 @@
           </a:ln>
           <a:extLst>
             <a:ext uri="{C572A759-6A51-4108-AA02-DFA0A04FC94B}">
-              <ma14:wrappingTextBoxFlag xmlns:ma14="http://schemas.microsoft.com/office/mac/drawingml/2011/main" xmlns:a14="http://schemas.microsoft.com/office/drawing/2010/main" xmlns:m="http://schemas.openxmlformats.org/officeDocument/2006/math" xmlns="" val="1"/>
+              <ma14:wrappingTextBoxFlag xmlns="" xmlns:m="http://schemas.openxmlformats.org/officeDocument/2006/math" xmlns:a14="http://schemas.microsoft.com/office/drawing/2010/main" xmlns:ma14="http://schemas.microsoft.com/office/mac/drawingml/2011/main" val="1"/>
             </a:ext>
           </a:extLst>
         </p:spPr>
@@ -10796,7 +10788,7 @@
           </a:ln>
           <a:extLst>
             <a:ext uri="{C572A759-6A51-4108-AA02-DFA0A04FC94B}">
-              <ma14:wrappingTextBoxFlag xmlns:ma14="http://schemas.microsoft.com/office/mac/drawingml/2011/main" xmlns:a14="http://schemas.microsoft.com/office/drawing/2010/main" xmlns:m="http://schemas.openxmlformats.org/officeDocument/2006/math" xmlns="" val="1"/>
+              <ma14:wrappingTextBoxFlag xmlns="" xmlns:m="http://schemas.openxmlformats.org/officeDocument/2006/math" xmlns:a14="http://schemas.microsoft.com/office/drawing/2010/main" xmlns:ma14="http://schemas.microsoft.com/office/mac/drawingml/2011/main" val="1"/>
             </a:ext>
           </a:extLst>
         </p:spPr>
@@ -10949,7 +10941,7 @@
           </a:ln>
           <a:extLst>
             <a:ext uri="{C572A759-6A51-4108-AA02-DFA0A04FC94B}">
-              <ma14:wrappingTextBoxFlag xmlns:ma14="http://schemas.microsoft.com/office/mac/drawingml/2011/main" xmlns:a14="http://schemas.microsoft.com/office/drawing/2010/main" xmlns:m="http://schemas.openxmlformats.org/officeDocument/2006/math" xmlns="" val="1"/>
+              <ma14:wrappingTextBoxFlag xmlns="" xmlns:m="http://schemas.openxmlformats.org/officeDocument/2006/math" xmlns:a14="http://schemas.microsoft.com/office/drawing/2010/main" xmlns:ma14="http://schemas.microsoft.com/office/mac/drawingml/2011/main" val="1"/>
             </a:ext>
           </a:extLst>
         </p:spPr>
@@ -11855,7 +11847,7 @@
           </a:ln>
           <a:extLst>
             <a:ext uri="{C572A759-6A51-4108-AA02-DFA0A04FC94B}">
-              <ma14:wrappingTextBoxFlag xmlns:ma14="http://schemas.microsoft.com/office/mac/drawingml/2011/main" xmlns:a14="http://schemas.microsoft.com/office/drawing/2010/main" xmlns:m="http://schemas.openxmlformats.org/officeDocument/2006/math" xmlns="" val="1"/>
+              <ma14:wrappingTextBoxFlag xmlns="" xmlns:m="http://schemas.openxmlformats.org/officeDocument/2006/math" xmlns:a14="http://schemas.microsoft.com/office/drawing/2010/main" xmlns:ma14="http://schemas.microsoft.com/office/mac/drawingml/2011/main" val="1"/>
             </a:ext>
           </a:extLst>
         </p:spPr>
@@ -12008,7 +12000,7 @@
           </a:ln>
           <a:extLst>
             <a:ext uri="{C572A759-6A51-4108-AA02-DFA0A04FC94B}">
-              <ma14:wrappingTextBoxFlag xmlns:ma14="http://schemas.microsoft.com/office/mac/drawingml/2011/main" xmlns:a14="http://schemas.microsoft.com/office/drawing/2010/main" xmlns:m="http://schemas.openxmlformats.org/officeDocument/2006/math" xmlns="" val="1"/>
+              <ma14:wrappingTextBoxFlag xmlns="" xmlns:m="http://schemas.openxmlformats.org/officeDocument/2006/math" xmlns:a14="http://schemas.microsoft.com/office/drawing/2010/main" xmlns:ma14="http://schemas.microsoft.com/office/mac/drawingml/2011/main" val="1"/>
             </a:ext>
           </a:extLst>
         </p:spPr>
@@ -12598,7 +12590,7 @@
           </a:ln>
           <a:extLst>
             <a:ext uri="{C572A759-6A51-4108-AA02-DFA0A04FC94B}">
-              <ma14:wrappingTextBoxFlag xmlns:ma14="http://schemas.microsoft.com/office/mac/drawingml/2011/main" xmlns:a14="http://schemas.microsoft.com/office/drawing/2010/main" xmlns:m="http://schemas.openxmlformats.org/officeDocument/2006/math" xmlns="" val="1"/>
+              <ma14:wrappingTextBoxFlag xmlns="" xmlns:m="http://schemas.openxmlformats.org/officeDocument/2006/math" xmlns:a14="http://schemas.microsoft.com/office/drawing/2010/main" xmlns:ma14="http://schemas.microsoft.com/office/mac/drawingml/2011/main" val="1"/>
             </a:ext>
           </a:extLst>
         </p:spPr>
@@ -12751,7 +12743,7 @@
           </a:ln>
           <a:extLst>
             <a:ext uri="{C572A759-6A51-4108-AA02-DFA0A04FC94B}">
-              <ma14:wrappingTextBoxFlag xmlns:ma14="http://schemas.microsoft.com/office/mac/drawingml/2011/main" xmlns:a14="http://schemas.microsoft.com/office/drawing/2010/main" xmlns:m="http://schemas.openxmlformats.org/officeDocument/2006/math" xmlns="" val="1"/>
+              <ma14:wrappingTextBoxFlag xmlns="" xmlns:m="http://schemas.openxmlformats.org/officeDocument/2006/math" xmlns:a14="http://schemas.microsoft.com/office/drawing/2010/main" xmlns:ma14="http://schemas.microsoft.com/office/mac/drawingml/2011/main" val="1"/>
             </a:ext>
           </a:extLst>
         </p:spPr>
@@ -13603,7 +13595,7 @@
           </a:ln>
           <a:extLst>
             <a:ext uri="{C572A759-6A51-4108-AA02-DFA0A04FC94B}">
-              <ma14:wrappingTextBoxFlag xmlns:ma14="http://schemas.microsoft.com/office/mac/drawingml/2011/main" xmlns:a14="http://schemas.microsoft.com/office/drawing/2010/main" xmlns:m="http://schemas.openxmlformats.org/officeDocument/2006/math" xmlns="" val="1"/>
+              <ma14:wrappingTextBoxFlag xmlns="" xmlns:m="http://schemas.openxmlformats.org/officeDocument/2006/math" xmlns:a14="http://schemas.microsoft.com/office/drawing/2010/main" xmlns:ma14="http://schemas.microsoft.com/office/mac/drawingml/2011/main" val="1"/>
             </a:ext>
           </a:extLst>
         </p:spPr>
@@ -13756,7 +13748,7 @@
           </a:ln>
           <a:extLst>
             <a:ext uri="{C572A759-6A51-4108-AA02-DFA0A04FC94B}">
-              <ma14:wrappingTextBoxFlag xmlns:ma14="http://schemas.microsoft.com/office/mac/drawingml/2011/main" xmlns:a14="http://schemas.microsoft.com/office/drawing/2010/main" xmlns:m="http://schemas.openxmlformats.org/officeDocument/2006/math" xmlns="" val="1"/>
+              <ma14:wrappingTextBoxFlag xmlns="" xmlns:m="http://schemas.openxmlformats.org/officeDocument/2006/math" xmlns:a14="http://schemas.microsoft.com/office/drawing/2010/main" xmlns:ma14="http://schemas.microsoft.com/office/mac/drawingml/2011/main" val="1"/>
             </a:ext>
           </a:extLst>
         </p:spPr>
@@ -14515,7 +14507,7 @@
           </a:ln>
           <a:extLst>
             <a:ext uri="{C572A759-6A51-4108-AA02-DFA0A04FC94B}">
-              <ma14:wrappingTextBoxFlag xmlns:ma14="http://schemas.microsoft.com/office/mac/drawingml/2011/main" xmlns:a14="http://schemas.microsoft.com/office/drawing/2010/main" xmlns:m="http://schemas.openxmlformats.org/officeDocument/2006/math" xmlns="" val="1"/>
+              <ma14:wrappingTextBoxFlag xmlns="" xmlns:m="http://schemas.openxmlformats.org/officeDocument/2006/math" xmlns:a14="http://schemas.microsoft.com/office/drawing/2010/main" xmlns:ma14="http://schemas.microsoft.com/office/mac/drawingml/2011/main" val="1"/>
             </a:ext>
           </a:extLst>
         </p:spPr>

--- a/survey.pptx
+++ b/survey.pptx
@@ -2952,7 +2952,7 @@
           </a:ln>
           <a:extLst>
             <a:ext uri="{C572A759-6A51-4108-AA02-DFA0A04FC94B}">
-              <ma14:wrappingTextBoxFlag xmlns="" xmlns:m="http://schemas.openxmlformats.org/officeDocument/2006/math" xmlns:a14="http://schemas.microsoft.com/office/drawing/2010/main" xmlns:ma14="http://schemas.microsoft.com/office/mac/drawingml/2011/main" val="1"/>
+              <ma14:wrappingTextBoxFlag xmlns:ma14="http://schemas.microsoft.com/office/mac/drawingml/2011/main" xmlns:a14="http://schemas.microsoft.com/office/drawing/2010/main" xmlns:m="http://schemas.openxmlformats.org/officeDocument/2006/math" xmlns="" val="1"/>
             </a:ext>
           </a:extLst>
         </p:spPr>
@@ -2991,7 +2991,7 @@
           </a:ln>
           <a:extLst>
             <a:ext uri="{C572A759-6A51-4108-AA02-DFA0A04FC94B}">
-              <ma14:wrappingTextBoxFlag xmlns="" xmlns:m="http://schemas.openxmlformats.org/officeDocument/2006/math" xmlns:a14="http://schemas.microsoft.com/office/drawing/2010/main" xmlns:ma14="http://schemas.microsoft.com/office/mac/drawingml/2011/main" val="1"/>
+              <ma14:wrappingTextBoxFlag xmlns:ma14="http://schemas.microsoft.com/office/mac/drawingml/2011/main" xmlns:a14="http://schemas.microsoft.com/office/drawing/2010/main" xmlns:m="http://schemas.openxmlformats.org/officeDocument/2006/math" xmlns="" val="1"/>
             </a:ext>
           </a:extLst>
         </p:spPr>
@@ -3961,7 +3961,7 @@
           </a:ln>
           <a:extLst>
             <a:ext uri="{C572A759-6A51-4108-AA02-DFA0A04FC94B}">
-              <ma14:wrappingTextBoxFlag xmlns="" xmlns:m="http://schemas.openxmlformats.org/officeDocument/2006/math" xmlns:a14="http://schemas.microsoft.com/office/drawing/2010/main" xmlns:ma14="http://schemas.microsoft.com/office/mac/drawingml/2011/main" val="1"/>
+              <ma14:wrappingTextBoxFlag xmlns:ma14="http://schemas.microsoft.com/office/mac/drawingml/2011/main" xmlns:a14="http://schemas.microsoft.com/office/drawing/2010/main" xmlns:m="http://schemas.openxmlformats.org/officeDocument/2006/math" xmlns="" val="1"/>
             </a:ext>
           </a:extLst>
         </p:spPr>
@@ -4041,7 +4041,7 @@
           </a:ln>
           <a:extLst>
             <a:ext uri="{C572A759-6A51-4108-AA02-DFA0A04FC94B}">
-              <ma14:wrappingTextBoxFlag xmlns="" xmlns:m="http://schemas.openxmlformats.org/officeDocument/2006/math" xmlns:a14="http://schemas.microsoft.com/office/drawing/2010/main" xmlns:ma14="http://schemas.microsoft.com/office/mac/drawingml/2011/main" val="1"/>
+              <ma14:wrappingTextBoxFlag xmlns:ma14="http://schemas.microsoft.com/office/mac/drawingml/2011/main" xmlns:a14="http://schemas.microsoft.com/office/drawing/2010/main" xmlns:m="http://schemas.openxmlformats.org/officeDocument/2006/math" xmlns="" val="1"/>
             </a:ext>
           </a:extLst>
         </p:spPr>
@@ -4111,7 +4111,7 @@
           </a:ln>
           <a:extLst>
             <a:ext uri="{C572A759-6A51-4108-AA02-DFA0A04FC94B}">
-              <ma14:wrappingTextBoxFlag xmlns="" xmlns:m="http://schemas.openxmlformats.org/officeDocument/2006/math" xmlns:a14="http://schemas.microsoft.com/office/drawing/2010/main" xmlns:ma14="http://schemas.microsoft.com/office/mac/drawingml/2011/main" val="1"/>
+              <ma14:wrappingTextBoxFlag xmlns:ma14="http://schemas.microsoft.com/office/mac/drawingml/2011/main" xmlns:a14="http://schemas.microsoft.com/office/drawing/2010/main" xmlns:m="http://schemas.openxmlformats.org/officeDocument/2006/math" xmlns="" val="1"/>
             </a:ext>
           </a:extLst>
         </p:spPr>
@@ -4232,7 +4232,7 @@
           </a:ln>
           <a:extLst>
             <a:ext uri="{C572A759-6A51-4108-AA02-DFA0A04FC94B}">
-              <ma14:wrappingTextBoxFlag xmlns:ma14="http://schemas.microsoft.com/office/mac/drawingml/2011/main" xmlns="" val="1"/>
+              <ma14:wrappingTextBoxFlag xmlns="" xmlns:ma14="http://schemas.microsoft.com/office/mac/drawingml/2011/main" val="1"/>
             </a:ext>
           </a:extLst>
         </p:spPr>
@@ -4415,7 +4415,7 @@
           </a:ln>
           <a:extLst>
             <a:ext uri="{C572A759-6A51-4108-AA02-DFA0A04FC94B}">
-              <ma14:wrappingTextBoxFlag xmlns="" xmlns:m="http://schemas.openxmlformats.org/officeDocument/2006/math" xmlns:a14="http://schemas.microsoft.com/office/drawing/2010/main" xmlns:ma14="http://schemas.microsoft.com/office/mac/drawingml/2011/main" val="1"/>
+              <ma14:wrappingTextBoxFlag xmlns:ma14="http://schemas.microsoft.com/office/mac/drawingml/2011/main" xmlns:a14="http://schemas.microsoft.com/office/drawing/2010/main" xmlns:m="http://schemas.openxmlformats.org/officeDocument/2006/math" xmlns="" val="1"/>
             </a:ext>
           </a:extLst>
         </p:spPr>
@@ -4469,7 +4469,7 @@
           </a:ln>
           <a:extLst>
             <a:ext uri="{C572A759-6A51-4108-AA02-DFA0A04FC94B}">
-              <ma14:wrappingTextBoxFlag xmlns="" xmlns:m="http://schemas.openxmlformats.org/officeDocument/2006/math" xmlns:a14="http://schemas.microsoft.com/office/drawing/2010/main" xmlns:ma14="http://schemas.microsoft.com/office/mac/drawingml/2011/main" val="1"/>
+              <ma14:wrappingTextBoxFlag xmlns:ma14="http://schemas.microsoft.com/office/mac/drawingml/2011/main" xmlns:a14="http://schemas.microsoft.com/office/drawing/2010/main" xmlns:m="http://schemas.openxmlformats.org/officeDocument/2006/math" xmlns="" val="1"/>
             </a:ext>
           </a:extLst>
         </p:spPr>
@@ -5845,7 +5845,7 @@
           </a:ln>
           <a:extLst>
             <a:ext uri="{C572A759-6A51-4108-AA02-DFA0A04FC94B}">
-              <ma14:wrappingTextBoxFlag xmlns="" xmlns:m="http://schemas.openxmlformats.org/officeDocument/2006/math" xmlns:a14="http://schemas.microsoft.com/office/drawing/2010/main" xmlns:ma14="http://schemas.microsoft.com/office/mac/drawingml/2011/main" val="1"/>
+              <ma14:wrappingTextBoxFlag xmlns:ma14="http://schemas.microsoft.com/office/mac/drawingml/2011/main" xmlns:a14="http://schemas.microsoft.com/office/drawing/2010/main" xmlns:m="http://schemas.openxmlformats.org/officeDocument/2006/math" xmlns="" val="1"/>
             </a:ext>
           </a:extLst>
         </p:spPr>
@@ -5899,7 +5899,7 @@
           </a:ln>
           <a:extLst>
             <a:ext uri="{C572A759-6A51-4108-AA02-DFA0A04FC94B}">
-              <ma14:wrappingTextBoxFlag xmlns="" xmlns:m="http://schemas.openxmlformats.org/officeDocument/2006/math" xmlns:a14="http://schemas.microsoft.com/office/drawing/2010/main" xmlns:ma14="http://schemas.microsoft.com/office/mac/drawingml/2011/main" val="1"/>
+              <ma14:wrappingTextBoxFlag xmlns:ma14="http://schemas.microsoft.com/office/mac/drawingml/2011/main" xmlns:a14="http://schemas.microsoft.com/office/drawing/2010/main" xmlns:m="http://schemas.openxmlformats.org/officeDocument/2006/math" xmlns="" val="1"/>
             </a:ext>
           </a:extLst>
         </p:spPr>
@@ -7529,7 +7529,7 @@
           </a:ln>
           <a:extLst>
             <a:ext uri="{C572A759-6A51-4108-AA02-DFA0A04FC94B}">
-              <ma14:wrappingTextBoxFlag xmlns:ma14="http://schemas.microsoft.com/office/mac/drawingml/2011/main" xmlns="" val="1"/>
+              <ma14:wrappingTextBoxFlag xmlns="" xmlns:ma14="http://schemas.microsoft.com/office/mac/drawingml/2011/main" val="1"/>
             </a:ext>
           </a:extLst>
         </p:spPr>
@@ -7595,7 +7595,7 @@
           </a:ln>
           <a:extLst>
             <a:ext uri="{C572A759-6A51-4108-AA02-DFA0A04FC94B}">
-              <ma14:wrappingTextBoxFlag xmlns="" xmlns:m="http://schemas.openxmlformats.org/officeDocument/2006/math" xmlns:a14="http://schemas.microsoft.com/office/drawing/2010/main" xmlns:ma14="http://schemas.microsoft.com/office/mac/drawingml/2011/main" val="1"/>
+              <ma14:wrappingTextBoxFlag xmlns:ma14="http://schemas.microsoft.com/office/mac/drawingml/2011/main" xmlns:a14="http://schemas.microsoft.com/office/drawing/2010/main" xmlns:m="http://schemas.openxmlformats.org/officeDocument/2006/math" xmlns="" val="1"/>
             </a:ext>
           </a:extLst>
         </p:spPr>
@@ -7639,9 +7639,9 @@
                   </a:extLst>
                 </a:hlinkClick>
               </a:rPr>
-              <a:t>https://github.com/lxdv/hse-tda</a:t>
+              <a:t>https://github.com/maksimovVva/hse-tda</a:t>
             </a:r>
-            <a:endParaRPr lang="ru-RU" dirty="0">
+            <a:endParaRPr lang="en" dirty="0">
               <a:solidFill>
                 <a:schemeClr val="bg1"/>
               </a:solidFill>
@@ -7770,7 +7770,7 @@
           </a:ln>
           <a:extLst>
             <a:ext uri="{C572A759-6A51-4108-AA02-DFA0A04FC94B}">
-              <ma14:wrappingTextBoxFlag xmlns:ma14="http://schemas.microsoft.com/office/mac/drawingml/2011/main" xmlns="" val="1"/>
+              <ma14:wrappingTextBoxFlag xmlns="" xmlns:ma14="http://schemas.microsoft.com/office/mac/drawingml/2011/main" val="1"/>
             </a:ext>
           </a:extLst>
         </p:spPr>
@@ -7847,7 +7847,7 @@
           </a:ln>
           <a:extLst>
             <a:ext uri="{C572A759-6A51-4108-AA02-DFA0A04FC94B}">
-              <ma14:wrappingTextBoxFlag xmlns:ma14="http://schemas.microsoft.com/office/mac/drawingml/2011/main" xmlns="" val="1"/>
+              <ma14:wrappingTextBoxFlag xmlns="" xmlns:ma14="http://schemas.microsoft.com/office/mac/drawingml/2011/main" val="1"/>
             </a:ext>
           </a:extLst>
         </p:spPr>
@@ -8043,7 +8043,7 @@
           </a:ln>
           <a:extLst>
             <a:ext uri="{C572A759-6A51-4108-AA02-DFA0A04FC94B}">
-              <ma14:wrappingTextBoxFlag xmlns="" xmlns:m="http://schemas.openxmlformats.org/officeDocument/2006/math" xmlns:a14="http://schemas.microsoft.com/office/drawing/2010/main" xmlns:ma14="http://schemas.microsoft.com/office/mac/drawingml/2011/main" val="1"/>
+              <ma14:wrappingTextBoxFlag xmlns:ma14="http://schemas.microsoft.com/office/mac/drawingml/2011/main" xmlns:a14="http://schemas.microsoft.com/office/drawing/2010/main" xmlns:m="http://schemas.openxmlformats.org/officeDocument/2006/math" xmlns="" val="1"/>
             </a:ext>
           </a:extLst>
         </p:spPr>
@@ -8097,7 +8097,7 @@
           </a:ln>
           <a:extLst>
             <a:ext uri="{C572A759-6A51-4108-AA02-DFA0A04FC94B}">
-              <ma14:wrappingTextBoxFlag xmlns="" xmlns:m="http://schemas.openxmlformats.org/officeDocument/2006/math" xmlns:a14="http://schemas.microsoft.com/office/drawing/2010/main" xmlns:ma14="http://schemas.microsoft.com/office/mac/drawingml/2011/main" val="1"/>
+              <ma14:wrappingTextBoxFlag xmlns:ma14="http://schemas.microsoft.com/office/mac/drawingml/2011/main" xmlns:a14="http://schemas.microsoft.com/office/drawing/2010/main" xmlns:m="http://schemas.openxmlformats.org/officeDocument/2006/math" xmlns="" val="1"/>
             </a:ext>
           </a:extLst>
         </p:spPr>
@@ -8245,7 +8245,7 @@
           </a:ln>
           <a:extLst>
             <a:ext uri="{C572A759-6A51-4108-AA02-DFA0A04FC94B}">
-              <ma14:wrappingTextBoxFlag xmlns="" xmlns:m="http://schemas.openxmlformats.org/officeDocument/2006/math" xmlns:a14="http://schemas.microsoft.com/office/drawing/2010/main" xmlns:ma14="http://schemas.microsoft.com/office/mac/drawingml/2011/main" val="1"/>
+              <ma14:wrappingTextBoxFlag xmlns:ma14="http://schemas.microsoft.com/office/mac/drawingml/2011/main" xmlns:a14="http://schemas.microsoft.com/office/drawing/2010/main" xmlns:m="http://schemas.openxmlformats.org/officeDocument/2006/math" xmlns="" val="1"/>
             </a:ext>
           </a:extLst>
         </p:spPr>
@@ -8299,7 +8299,7 @@
           </a:ln>
           <a:extLst>
             <a:ext uri="{C572A759-6A51-4108-AA02-DFA0A04FC94B}">
-              <ma14:wrappingTextBoxFlag xmlns="" xmlns:m="http://schemas.openxmlformats.org/officeDocument/2006/math" xmlns:a14="http://schemas.microsoft.com/office/drawing/2010/main" xmlns:ma14="http://schemas.microsoft.com/office/mac/drawingml/2011/main" val="1"/>
+              <ma14:wrappingTextBoxFlag xmlns:ma14="http://schemas.microsoft.com/office/mac/drawingml/2011/main" xmlns:a14="http://schemas.microsoft.com/office/drawing/2010/main" xmlns:m="http://schemas.openxmlformats.org/officeDocument/2006/math" xmlns="" val="1"/>
             </a:ext>
           </a:extLst>
         </p:spPr>
@@ -8864,7 +8864,7 @@
           </a:ln>
           <a:extLst>
             <a:ext uri="{C572A759-6A51-4108-AA02-DFA0A04FC94B}">
-              <ma14:wrappingTextBoxFlag xmlns="" xmlns:m="http://schemas.openxmlformats.org/officeDocument/2006/math" xmlns:a14="http://schemas.microsoft.com/office/drawing/2010/main" xmlns:ma14="http://schemas.microsoft.com/office/mac/drawingml/2011/main" val="1"/>
+              <ma14:wrappingTextBoxFlag xmlns:ma14="http://schemas.microsoft.com/office/mac/drawingml/2011/main" xmlns:a14="http://schemas.microsoft.com/office/drawing/2010/main" xmlns:m="http://schemas.openxmlformats.org/officeDocument/2006/math" xmlns="" val="1"/>
             </a:ext>
           </a:extLst>
         </p:spPr>
@@ -8918,7 +8918,7 @@
           </a:ln>
           <a:extLst>
             <a:ext uri="{C572A759-6A51-4108-AA02-DFA0A04FC94B}">
-              <ma14:wrappingTextBoxFlag xmlns="" xmlns:m="http://schemas.openxmlformats.org/officeDocument/2006/math" xmlns:a14="http://schemas.microsoft.com/office/drawing/2010/main" xmlns:ma14="http://schemas.microsoft.com/office/mac/drawingml/2011/main" val="1"/>
+              <ma14:wrappingTextBoxFlag xmlns:ma14="http://schemas.microsoft.com/office/mac/drawingml/2011/main" xmlns:a14="http://schemas.microsoft.com/office/drawing/2010/main" xmlns:m="http://schemas.openxmlformats.org/officeDocument/2006/math" xmlns="" val="1"/>
             </a:ext>
           </a:extLst>
         </p:spPr>
@@ -9878,7 +9878,7 @@
           </a:ln>
           <a:extLst>
             <a:ext uri="{C572A759-6A51-4108-AA02-DFA0A04FC94B}">
-              <ma14:wrappingTextBoxFlag xmlns="" xmlns:m="http://schemas.openxmlformats.org/officeDocument/2006/math" xmlns:a14="http://schemas.microsoft.com/office/drawing/2010/main" xmlns:ma14="http://schemas.microsoft.com/office/mac/drawingml/2011/main" val="1"/>
+              <ma14:wrappingTextBoxFlag xmlns:ma14="http://schemas.microsoft.com/office/mac/drawingml/2011/main" xmlns:a14="http://schemas.microsoft.com/office/drawing/2010/main" xmlns:m="http://schemas.openxmlformats.org/officeDocument/2006/math" xmlns="" val="1"/>
             </a:ext>
           </a:extLst>
         </p:spPr>
@@ -10788,7 +10788,7 @@
           </a:ln>
           <a:extLst>
             <a:ext uri="{C572A759-6A51-4108-AA02-DFA0A04FC94B}">
-              <ma14:wrappingTextBoxFlag xmlns="" xmlns:m="http://schemas.openxmlformats.org/officeDocument/2006/math" xmlns:a14="http://schemas.microsoft.com/office/drawing/2010/main" xmlns:ma14="http://schemas.microsoft.com/office/mac/drawingml/2011/main" val="1"/>
+              <ma14:wrappingTextBoxFlag xmlns:ma14="http://schemas.microsoft.com/office/mac/drawingml/2011/main" xmlns:a14="http://schemas.microsoft.com/office/drawing/2010/main" xmlns:m="http://schemas.openxmlformats.org/officeDocument/2006/math" xmlns="" val="1"/>
             </a:ext>
           </a:extLst>
         </p:spPr>
@@ -10941,7 +10941,7 @@
           </a:ln>
           <a:extLst>
             <a:ext uri="{C572A759-6A51-4108-AA02-DFA0A04FC94B}">
-              <ma14:wrappingTextBoxFlag xmlns="" xmlns:m="http://schemas.openxmlformats.org/officeDocument/2006/math" xmlns:a14="http://schemas.microsoft.com/office/drawing/2010/main" xmlns:ma14="http://schemas.microsoft.com/office/mac/drawingml/2011/main" val="1"/>
+              <ma14:wrappingTextBoxFlag xmlns:ma14="http://schemas.microsoft.com/office/mac/drawingml/2011/main" xmlns:a14="http://schemas.microsoft.com/office/drawing/2010/main" xmlns:m="http://schemas.openxmlformats.org/officeDocument/2006/math" xmlns="" val="1"/>
             </a:ext>
           </a:extLst>
         </p:spPr>
@@ -11847,7 +11847,7 @@
           </a:ln>
           <a:extLst>
             <a:ext uri="{C572A759-6A51-4108-AA02-DFA0A04FC94B}">
-              <ma14:wrappingTextBoxFlag xmlns="" xmlns:m="http://schemas.openxmlformats.org/officeDocument/2006/math" xmlns:a14="http://schemas.microsoft.com/office/drawing/2010/main" xmlns:ma14="http://schemas.microsoft.com/office/mac/drawingml/2011/main" val="1"/>
+              <ma14:wrappingTextBoxFlag xmlns:ma14="http://schemas.microsoft.com/office/mac/drawingml/2011/main" xmlns:a14="http://schemas.microsoft.com/office/drawing/2010/main" xmlns:m="http://schemas.openxmlformats.org/officeDocument/2006/math" xmlns="" val="1"/>
             </a:ext>
           </a:extLst>
         </p:spPr>
@@ -12000,7 +12000,7 @@
           </a:ln>
           <a:extLst>
             <a:ext uri="{C572A759-6A51-4108-AA02-DFA0A04FC94B}">
-              <ma14:wrappingTextBoxFlag xmlns="" xmlns:m="http://schemas.openxmlformats.org/officeDocument/2006/math" xmlns:a14="http://schemas.microsoft.com/office/drawing/2010/main" xmlns:ma14="http://schemas.microsoft.com/office/mac/drawingml/2011/main" val="1"/>
+              <ma14:wrappingTextBoxFlag xmlns:ma14="http://schemas.microsoft.com/office/mac/drawingml/2011/main" xmlns:a14="http://schemas.microsoft.com/office/drawing/2010/main" xmlns:m="http://schemas.openxmlformats.org/officeDocument/2006/math" xmlns="" val="1"/>
             </a:ext>
           </a:extLst>
         </p:spPr>
@@ -12590,7 +12590,7 @@
           </a:ln>
           <a:extLst>
             <a:ext uri="{C572A759-6A51-4108-AA02-DFA0A04FC94B}">
-              <ma14:wrappingTextBoxFlag xmlns="" xmlns:m="http://schemas.openxmlformats.org/officeDocument/2006/math" xmlns:a14="http://schemas.microsoft.com/office/drawing/2010/main" xmlns:ma14="http://schemas.microsoft.com/office/mac/drawingml/2011/main" val="1"/>
+              <ma14:wrappingTextBoxFlag xmlns:ma14="http://schemas.microsoft.com/office/mac/drawingml/2011/main" xmlns:a14="http://schemas.microsoft.com/office/drawing/2010/main" xmlns:m="http://schemas.openxmlformats.org/officeDocument/2006/math" xmlns="" val="1"/>
             </a:ext>
           </a:extLst>
         </p:spPr>
@@ -12743,7 +12743,7 @@
           </a:ln>
           <a:extLst>
             <a:ext uri="{C572A759-6A51-4108-AA02-DFA0A04FC94B}">
-              <ma14:wrappingTextBoxFlag xmlns="" xmlns:m="http://schemas.openxmlformats.org/officeDocument/2006/math" xmlns:a14="http://schemas.microsoft.com/office/drawing/2010/main" xmlns:ma14="http://schemas.microsoft.com/office/mac/drawingml/2011/main" val="1"/>
+              <ma14:wrappingTextBoxFlag xmlns:ma14="http://schemas.microsoft.com/office/mac/drawingml/2011/main" xmlns:a14="http://schemas.microsoft.com/office/drawing/2010/main" xmlns:m="http://schemas.openxmlformats.org/officeDocument/2006/math" xmlns="" val="1"/>
             </a:ext>
           </a:extLst>
         </p:spPr>
@@ -13595,7 +13595,7 @@
           </a:ln>
           <a:extLst>
             <a:ext uri="{C572A759-6A51-4108-AA02-DFA0A04FC94B}">
-              <ma14:wrappingTextBoxFlag xmlns="" xmlns:m="http://schemas.openxmlformats.org/officeDocument/2006/math" xmlns:a14="http://schemas.microsoft.com/office/drawing/2010/main" xmlns:ma14="http://schemas.microsoft.com/office/mac/drawingml/2011/main" val="1"/>
+              <ma14:wrappingTextBoxFlag xmlns:ma14="http://schemas.microsoft.com/office/mac/drawingml/2011/main" xmlns:a14="http://schemas.microsoft.com/office/drawing/2010/main" xmlns:m="http://schemas.openxmlformats.org/officeDocument/2006/math" xmlns="" val="1"/>
             </a:ext>
           </a:extLst>
         </p:spPr>
@@ -13748,7 +13748,7 @@
           </a:ln>
           <a:extLst>
             <a:ext uri="{C572A759-6A51-4108-AA02-DFA0A04FC94B}">
-              <ma14:wrappingTextBoxFlag xmlns="" xmlns:m="http://schemas.openxmlformats.org/officeDocument/2006/math" xmlns:a14="http://schemas.microsoft.com/office/drawing/2010/main" xmlns:ma14="http://schemas.microsoft.com/office/mac/drawingml/2011/main" val="1"/>
+              <ma14:wrappingTextBoxFlag xmlns:ma14="http://schemas.microsoft.com/office/mac/drawingml/2011/main" xmlns:a14="http://schemas.microsoft.com/office/drawing/2010/main" xmlns:m="http://schemas.openxmlformats.org/officeDocument/2006/math" xmlns="" val="1"/>
             </a:ext>
           </a:extLst>
         </p:spPr>
@@ -14507,7 +14507,7 @@
           </a:ln>
           <a:extLst>
             <a:ext uri="{C572A759-6A51-4108-AA02-DFA0A04FC94B}">
-              <ma14:wrappingTextBoxFlag xmlns="" xmlns:m="http://schemas.openxmlformats.org/officeDocument/2006/math" xmlns:a14="http://schemas.microsoft.com/office/drawing/2010/main" xmlns:ma14="http://schemas.microsoft.com/office/mac/drawingml/2011/main" val="1"/>
+              <ma14:wrappingTextBoxFlag xmlns:ma14="http://schemas.microsoft.com/office/mac/drawingml/2011/main" xmlns:a14="http://schemas.microsoft.com/office/drawing/2010/main" xmlns:m="http://schemas.openxmlformats.org/officeDocument/2006/math" xmlns="" val="1"/>
             </a:ext>
           </a:extLst>
         </p:spPr>
